--- a/Stellar Horizons SoP/Stellar Horizons SOP cards.pptx
+++ b/Stellar Horizons SoP/Stellar Horizons SOP cards.pptx
@@ -212,7 +212,7 @@
           <a:p>
             <a:fld id="{C1B87C5B-8331-6742-A7E3-DC5C24D95CA3}" type="datetimeFigureOut">
               <a:rPr lang="en-IT" smtClean="0"/>
-              <a:t>17/12/24</a:t>
+              <a:t>18/12/24</a:t>
             </a:fld>
             <a:endParaRPr lang="en-IT"/>
           </a:p>
@@ -1039,7 +1039,7 @@
           <a:p>
             <a:fld id="{0E4F425A-E00F-4AAE-A11C-B8D799E92BCC}" type="datetimeFigureOut">
               <a:rPr lang="en-US" smtClean="0"/>
-              <a:t>12/17/24</a:t>
+              <a:t>12/18/24</a:t>
             </a:fld>
             <a:endParaRPr lang="en-US"/>
           </a:p>
@@ -1209,7 +1209,7 @@
           <a:p>
             <a:fld id="{0E4F425A-E00F-4AAE-A11C-B8D799E92BCC}" type="datetimeFigureOut">
               <a:rPr lang="en-US" smtClean="0"/>
-              <a:t>12/17/24</a:t>
+              <a:t>12/18/24</a:t>
             </a:fld>
             <a:endParaRPr lang="en-US"/>
           </a:p>
@@ -1389,7 +1389,7 @@
           <a:p>
             <a:fld id="{0E4F425A-E00F-4AAE-A11C-B8D799E92BCC}" type="datetimeFigureOut">
               <a:rPr lang="en-US" smtClean="0"/>
-              <a:t>12/17/24</a:t>
+              <a:t>12/18/24</a:t>
             </a:fld>
             <a:endParaRPr lang="en-US"/>
           </a:p>
@@ -1559,7 +1559,7 @@
           <a:p>
             <a:fld id="{0E4F425A-E00F-4AAE-A11C-B8D799E92BCC}" type="datetimeFigureOut">
               <a:rPr lang="en-US" smtClean="0"/>
-              <a:t>12/17/24</a:t>
+              <a:t>12/18/24</a:t>
             </a:fld>
             <a:endParaRPr lang="en-US"/>
           </a:p>
@@ -1803,7 +1803,7 @@
           <a:p>
             <a:fld id="{0E4F425A-E00F-4AAE-A11C-B8D799E92BCC}" type="datetimeFigureOut">
               <a:rPr lang="en-US" smtClean="0"/>
-              <a:t>12/17/24</a:t>
+              <a:t>12/18/24</a:t>
             </a:fld>
             <a:endParaRPr lang="en-US"/>
           </a:p>
@@ -2035,7 +2035,7 @@
           <a:p>
             <a:fld id="{0E4F425A-E00F-4AAE-A11C-B8D799E92BCC}" type="datetimeFigureOut">
               <a:rPr lang="en-US" smtClean="0"/>
-              <a:t>12/17/24</a:t>
+              <a:t>12/18/24</a:t>
             </a:fld>
             <a:endParaRPr lang="en-US"/>
           </a:p>
@@ -2402,7 +2402,7 @@
           <a:p>
             <a:fld id="{0E4F425A-E00F-4AAE-A11C-B8D799E92BCC}" type="datetimeFigureOut">
               <a:rPr lang="en-US" smtClean="0"/>
-              <a:t>12/17/24</a:t>
+              <a:t>12/18/24</a:t>
             </a:fld>
             <a:endParaRPr lang="en-US"/>
           </a:p>
@@ -2520,7 +2520,7 @@
           <a:p>
             <a:fld id="{0E4F425A-E00F-4AAE-A11C-B8D799E92BCC}" type="datetimeFigureOut">
               <a:rPr lang="en-US" smtClean="0"/>
-              <a:t>12/17/24</a:t>
+              <a:t>12/18/24</a:t>
             </a:fld>
             <a:endParaRPr lang="en-US"/>
           </a:p>
@@ -2615,7 +2615,7 @@
           <a:p>
             <a:fld id="{0E4F425A-E00F-4AAE-A11C-B8D799E92BCC}" type="datetimeFigureOut">
               <a:rPr lang="en-US" smtClean="0"/>
-              <a:t>12/17/24</a:t>
+              <a:t>12/18/24</a:t>
             </a:fld>
             <a:endParaRPr lang="en-US"/>
           </a:p>
@@ -2892,7 +2892,7 @@
           <a:p>
             <a:fld id="{0E4F425A-E00F-4AAE-A11C-B8D799E92BCC}" type="datetimeFigureOut">
               <a:rPr lang="en-US" smtClean="0"/>
-              <a:t>12/17/24</a:t>
+              <a:t>12/18/24</a:t>
             </a:fld>
             <a:endParaRPr lang="en-US"/>
           </a:p>
@@ -3149,7 +3149,7 @@
           <a:p>
             <a:fld id="{0E4F425A-E00F-4AAE-A11C-B8D799E92BCC}" type="datetimeFigureOut">
               <a:rPr lang="en-US" smtClean="0"/>
-              <a:t>12/17/24</a:t>
+              <a:t>12/18/24</a:t>
             </a:fld>
             <a:endParaRPr lang="en-US"/>
           </a:p>
@@ -3362,7 +3362,7 @@
           <a:p>
             <a:fld id="{0E4F425A-E00F-4AAE-A11C-B8D799E92BCC}" type="datetimeFigureOut">
               <a:rPr lang="en-US" smtClean="0"/>
-              <a:t>12/17/24</a:t>
+              <a:t>12/18/24</a:t>
             </a:fld>
             <a:endParaRPr lang="en-US"/>
           </a:p>
@@ -15062,8 +15062,8 @@
         </p:nvSpPr>
         <p:spPr>
           <a:xfrm>
-            <a:off x="4628052" y="761998"/>
-            <a:ext cx="2211663" cy="2246769"/>
+            <a:off x="4602499" y="673673"/>
+            <a:ext cx="2267722" cy="2554545"/>
           </a:xfrm>
           <a:prstGeom prst="rect">
             <a:avLst/>
@@ -15156,7 +15156,7 @@
                   <a:srgbClr val="000000"/>
                 </a:solidFill>
               </a:rPr>
-              <a:t>Roll for resource production</a:t>
+              <a:t>Roll 1d10 for resource production</a:t>
             </a:r>
             <a:r>
               <a:rPr lang="en-GB" sz="1000" dirty="0">
@@ -15164,7 +15164,7 @@
                   <a:srgbClr val="000000"/>
                 </a:solidFill>
               </a:rPr>
-              <a:t>. You always produce at least one.</a:t>
+              <a:t>. You always produce at least one. +1 if modified roll &lt;= world production value. +1 if mod roll = 0 or 1</a:t>
             </a:r>
           </a:p>
           <a:p>

--- a/Stellar Horizons SoP/Stellar Horizons SOP cards.pptx
+++ b/Stellar Horizons SoP/Stellar Horizons SOP cards.pptx
@@ -212,7 +212,7 @@
           <a:p>
             <a:fld id="{C1B87C5B-8331-6742-A7E3-DC5C24D95CA3}" type="datetimeFigureOut">
               <a:rPr lang="en-IT" smtClean="0"/>
-              <a:t>18/12/24</a:t>
+              <a:t>23/12/24</a:t>
             </a:fld>
             <a:endParaRPr lang="en-IT"/>
           </a:p>
@@ -1039,7 +1039,7 @@
           <a:p>
             <a:fld id="{0E4F425A-E00F-4AAE-A11C-B8D799E92BCC}" type="datetimeFigureOut">
               <a:rPr lang="en-US" smtClean="0"/>
-              <a:t>12/18/24</a:t>
+              <a:t>12/23/24</a:t>
             </a:fld>
             <a:endParaRPr lang="en-US"/>
           </a:p>
@@ -1209,7 +1209,7 @@
           <a:p>
             <a:fld id="{0E4F425A-E00F-4AAE-A11C-B8D799E92BCC}" type="datetimeFigureOut">
               <a:rPr lang="en-US" smtClean="0"/>
-              <a:t>12/18/24</a:t>
+              <a:t>12/23/24</a:t>
             </a:fld>
             <a:endParaRPr lang="en-US"/>
           </a:p>
@@ -1389,7 +1389,7 @@
           <a:p>
             <a:fld id="{0E4F425A-E00F-4AAE-A11C-B8D799E92BCC}" type="datetimeFigureOut">
               <a:rPr lang="en-US" smtClean="0"/>
-              <a:t>12/18/24</a:t>
+              <a:t>12/23/24</a:t>
             </a:fld>
             <a:endParaRPr lang="en-US"/>
           </a:p>
@@ -1559,7 +1559,7 @@
           <a:p>
             <a:fld id="{0E4F425A-E00F-4AAE-A11C-B8D799E92BCC}" type="datetimeFigureOut">
               <a:rPr lang="en-US" smtClean="0"/>
-              <a:t>12/18/24</a:t>
+              <a:t>12/23/24</a:t>
             </a:fld>
             <a:endParaRPr lang="en-US"/>
           </a:p>
@@ -1803,7 +1803,7 @@
           <a:p>
             <a:fld id="{0E4F425A-E00F-4AAE-A11C-B8D799E92BCC}" type="datetimeFigureOut">
               <a:rPr lang="en-US" smtClean="0"/>
-              <a:t>12/18/24</a:t>
+              <a:t>12/23/24</a:t>
             </a:fld>
             <a:endParaRPr lang="en-US"/>
           </a:p>
@@ -2035,7 +2035,7 @@
           <a:p>
             <a:fld id="{0E4F425A-E00F-4AAE-A11C-B8D799E92BCC}" type="datetimeFigureOut">
               <a:rPr lang="en-US" smtClean="0"/>
-              <a:t>12/18/24</a:t>
+              <a:t>12/23/24</a:t>
             </a:fld>
             <a:endParaRPr lang="en-US"/>
           </a:p>
@@ -2402,7 +2402,7 @@
           <a:p>
             <a:fld id="{0E4F425A-E00F-4AAE-A11C-B8D799E92BCC}" type="datetimeFigureOut">
               <a:rPr lang="en-US" smtClean="0"/>
-              <a:t>12/18/24</a:t>
+              <a:t>12/23/24</a:t>
             </a:fld>
             <a:endParaRPr lang="en-US"/>
           </a:p>
@@ -2520,7 +2520,7 @@
           <a:p>
             <a:fld id="{0E4F425A-E00F-4AAE-A11C-B8D799E92BCC}" type="datetimeFigureOut">
               <a:rPr lang="en-US" smtClean="0"/>
-              <a:t>12/18/24</a:t>
+              <a:t>12/23/24</a:t>
             </a:fld>
             <a:endParaRPr lang="en-US"/>
           </a:p>
@@ -2615,7 +2615,7 @@
           <a:p>
             <a:fld id="{0E4F425A-E00F-4AAE-A11C-B8D799E92BCC}" type="datetimeFigureOut">
               <a:rPr lang="en-US" smtClean="0"/>
-              <a:t>12/18/24</a:t>
+              <a:t>12/23/24</a:t>
             </a:fld>
             <a:endParaRPr lang="en-US"/>
           </a:p>
@@ -2892,7 +2892,7 @@
           <a:p>
             <a:fld id="{0E4F425A-E00F-4AAE-A11C-B8D799E92BCC}" type="datetimeFigureOut">
               <a:rPr lang="en-US" smtClean="0"/>
-              <a:t>12/18/24</a:t>
+              <a:t>12/23/24</a:t>
             </a:fld>
             <a:endParaRPr lang="en-US"/>
           </a:p>
@@ -3149,7 +3149,7 @@
           <a:p>
             <a:fld id="{0E4F425A-E00F-4AAE-A11C-B8D799E92BCC}" type="datetimeFigureOut">
               <a:rPr lang="en-US" smtClean="0"/>
-              <a:t>12/18/24</a:t>
+              <a:t>12/23/24</a:t>
             </a:fld>
             <a:endParaRPr lang="en-US"/>
           </a:p>
@@ -3362,7 +3362,7 @@
           <a:p>
             <a:fld id="{0E4F425A-E00F-4AAE-A11C-B8D799E92BCC}" type="datetimeFigureOut">
               <a:rPr lang="en-US" smtClean="0"/>
-              <a:t>12/18/24</a:t>
+              <a:t>12/23/24</a:t>
             </a:fld>
             <a:endParaRPr lang="en-US"/>
           </a:p>
@@ -8944,7 +8944,7 @@
         <p:spPr>
           <a:xfrm>
             <a:off x="137160" y="761996"/>
-            <a:ext cx="2055493" cy="1938992"/>
+            <a:ext cx="2055493" cy="2400657"/>
           </a:xfrm>
           <a:prstGeom prst="rect">
             <a:avLst/>
@@ -8984,6 +8984,23 @@
             </a:r>
           </a:p>
           <a:p>
+            <a:endParaRPr lang="en-GB" sz="1000" dirty="0"/>
+          </a:p>
+          <a:p>
+            <a:pPr marL="171450" indent="-171450">
+              <a:buFont typeface="Arial" panose="020B0604020202020204" pitchFamily="34" charset="0"/>
+              <a:buChar char="•"/>
+            </a:pPr>
+            <a:r>
+              <a:rPr lang="en-GB" sz="1000" dirty="0"/>
+              <a:t>Requires at least a Small Mining Station.</a:t>
+            </a:r>
+          </a:p>
+          <a:p>
+            <a:pPr marL="171450" indent="-171450">
+              <a:buFont typeface="Arial" panose="020B0604020202020204" pitchFamily="34" charset="0"/>
+              <a:buChar char="•"/>
+            </a:pPr>
             <a:endParaRPr lang="en-GB" sz="1000" dirty="0"/>
           </a:p>
           <a:p>
@@ -9050,7 +9067,7 @@
         <p:spPr>
           <a:xfrm>
             <a:off x="2423162" y="761996"/>
-            <a:ext cx="2055493" cy="1938992"/>
+            <a:ext cx="2055493" cy="2400657"/>
           </a:xfrm>
           <a:prstGeom prst="rect">
             <a:avLst/>
@@ -9070,6 +9087,23 @@
             <a:r>
               <a:rPr lang="en-GB" sz="1000" dirty="0"/>
               <a:t>= tech points indicated in the world card (any 3 tech on Earth orbit).</a:t>
+            </a:r>
+          </a:p>
+          <a:p>
+            <a:pPr marL="171450" indent="-171450">
+              <a:buFont typeface="Arial" panose="020B0604020202020204" pitchFamily="34" charset="0"/>
+              <a:buChar char="•"/>
+            </a:pPr>
+            <a:endParaRPr lang="en-GB" sz="1000" dirty="0"/>
+          </a:p>
+          <a:p>
+            <a:pPr marL="171450" indent="-171450">
+              <a:buFont typeface="Arial" panose="020B0604020202020204" pitchFamily="34" charset="0"/>
+              <a:buChar char="•"/>
+            </a:pPr>
+            <a:r>
+              <a:rPr lang="en-GB" sz="1000" dirty="0"/>
+              <a:t>Requires at least a small Research Lab.</a:t>
             </a:r>
           </a:p>
           <a:p>
@@ -9145,7 +9179,7 @@
         <p:spPr>
           <a:xfrm>
             <a:off x="4709162" y="761996"/>
-            <a:ext cx="2055493" cy="1785104"/>
+            <a:ext cx="2055493" cy="1938992"/>
           </a:xfrm>
           <a:prstGeom prst="rect">
             <a:avLst/>
@@ -9163,7 +9197,8 @@
                 <a:solidFill>
                   <a:srgbClr val="000000"/>
                 </a:solidFill>
-                <a:latin typeface="Arial" panose="020B0604020202020204" pitchFamily="34" charset="0"/>
+                <a:latin typeface="Calibri" panose="020F0502020204030204" pitchFamily="34" charset="0"/>
+                <a:cs typeface="Calibri" panose="020F0502020204030204" pitchFamily="34" charset="0"/>
               </a:rPr>
               <a:t>Use </a:t>
             </a:r>
@@ -9172,7 +9207,8 @@
                 <a:solidFill>
                   <a:srgbClr val="000000"/>
                 </a:solidFill>
-                <a:latin typeface="Arial" panose="020B0604020202020204" pitchFamily="34" charset="0"/>
+                <a:latin typeface="Calibri" panose="020F0502020204030204" pitchFamily="34" charset="0"/>
+                <a:cs typeface="Calibri" panose="020F0502020204030204" pitchFamily="34" charset="0"/>
               </a:rPr>
               <a:t>Trade routes </a:t>
             </a:r>
@@ -9181,9 +9217,10 @@
                 <a:solidFill>
                   <a:srgbClr val="000000"/>
                 </a:solidFill>
-                <a:latin typeface="Arial" panose="020B0604020202020204" pitchFamily="34" charset="0"/>
-              </a:rPr>
-              <a:t>technologies to transfer resources between two bases or between Earth and one base:</a:t>
+                <a:latin typeface="Calibri" panose="020F0502020204030204" pitchFamily="34" charset="0"/>
+                <a:cs typeface="Calibri" panose="020F0502020204030204" pitchFamily="34" charset="0"/>
+              </a:rPr>
+              <a:t>technologies to transfer resources (5 / 10 / 15 depending on technology) between two bases or between Earth and one base:</a:t>
             </a:r>
           </a:p>
           <a:p>
@@ -9191,7 +9228,8 @@
               <a:solidFill>
                 <a:srgbClr val="000000"/>
               </a:solidFill>
-              <a:latin typeface="Arial" panose="020B0604020202020204" pitchFamily="34" charset="0"/>
+              <a:latin typeface="Calibri" panose="020F0502020204030204" pitchFamily="34" charset="0"/>
+              <a:cs typeface="Calibri" panose="020F0502020204030204" pitchFamily="34" charset="0"/>
             </a:endParaRPr>
           </a:p>
           <a:p>
@@ -9200,11 +9238,17 @@
               <a:buChar char="•"/>
             </a:pPr>
             <a:r>
-              <a:rPr lang="en-GB" sz="1000" b="1" dirty="0"/>
+              <a:rPr lang="en-GB" sz="1000" b="1" dirty="0">
+                <a:latin typeface="Calibri" panose="020F0502020204030204" pitchFamily="34" charset="0"/>
+                <a:cs typeface="Calibri" panose="020F0502020204030204" pitchFamily="34" charset="0"/>
+              </a:rPr>
               <a:t>Pirates</a:t>
             </a:r>
             <a:r>
-              <a:rPr lang="en-GB" sz="1000" dirty="0"/>
+              <a:rPr lang="en-GB" sz="1000" dirty="0">
+                <a:latin typeface="Calibri" panose="020F0502020204030204" pitchFamily="34" charset="0"/>
+                <a:cs typeface="Calibri" panose="020F0502020204030204" pitchFamily="34" charset="0"/>
+              </a:rPr>
               <a:t> in the flyby area prevent transferring to and from that planetary system.</a:t>
             </a:r>
           </a:p>
@@ -9214,11 +9258,17 @@
               <a:buChar char="•"/>
             </a:pPr>
             <a:r>
-              <a:rPr lang="en-GB" sz="1000" b="1" dirty="0"/>
+              <a:rPr lang="en-GB" sz="1000" b="1" dirty="0">
+                <a:latin typeface="Calibri" panose="020F0502020204030204" pitchFamily="34" charset="0"/>
+                <a:cs typeface="Calibri" panose="020F0502020204030204" pitchFamily="34" charset="0"/>
+              </a:rPr>
               <a:t>Blockaded</a:t>
             </a:r>
             <a:r>
-              <a:rPr lang="en-GB" sz="1000" dirty="0"/>
+              <a:rPr lang="en-GB" sz="1000" dirty="0">
+                <a:latin typeface="Calibri" panose="020F0502020204030204" pitchFamily="34" charset="0"/>
+                <a:cs typeface="Calibri" panose="020F0502020204030204" pitchFamily="34" charset="0"/>
+              </a:rPr>
               <a:t> bases cannot transfer resources.</a:t>
             </a:r>
           </a:p>
@@ -9227,7 +9277,10 @@
               <a:buFont typeface="Arial" panose="020B0604020202020204" pitchFamily="34" charset="0"/>
               <a:buChar char="•"/>
             </a:pPr>
-            <a:endParaRPr lang="en-US" sz="1000" dirty="0"/>
+            <a:endParaRPr lang="en-US" sz="1000" dirty="0">
+              <a:latin typeface="Calibri" panose="020F0502020204030204" pitchFamily="34" charset="0"/>
+              <a:cs typeface="Calibri" panose="020F0502020204030204" pitchFamily="34" charset="0"/>
+            </a:endParaRPr>
           </a:p>
         </p:txBody>
       </p:sp>
@@ -9769,7 +9822,7 @@
                   <a:srgbClr val="000000"/>
                 </a:solidFill>
               </a:rPr>
-              <a:t>add asteroids:</a:t>
+              <a:t>add pirates:</a:t>
             </a:r>
           </a:p>
           <a:p>
@@ -12654,8 +12707,8 @@
         </p:nvSpPr>
         <p:spPr>
           <a:xfrm>
-            <a:off x="6916281" y="4419593"/>
-            <a:ext cx="2138933" cy="1631216"/>
+            <a:off x="6916279" y="4331178"/>
+            <a:ext cx="2138933" cy="2400657"/>
           </a:xfrm>
           <a:prstGeom prst="rect">
             <a:avLst/>
@@ -12673,7 +12726,7 @@
                 <a:solidFill>
                   <a:srgbClr val="000000"/>
                 </a:solidFill>
-                <a:latin typeface="Arial" panose="020B0604020202020204" pitchFamily="34" charset="0"/>
+                <a:cs typeface="Calibri" panose="020F0502020204030204" pitchFamily="34" charset="0"/>
               </a:rPr>
               <a:t>In initiative order:</a:t>
             </a:r>
@@ -12681,7 +12734,7 @@
               <a:solidFill>
                 <a:srgbClr val="000000"/>
               </a:solidFill>
-              <a:latin typeface="Arial" panose="020B0604020202020204" pitchFamily="34" charset="0"/>
+              <a:cs typeface="Calibri" panose="020F0502020204030204" pitchFamily="34" charset="0"/>
             </a:endParaRPr>
           </a:p>
           <a:p>
@@ -12689,7 +12742,7 @@
               <a:solidFill>
                 <a:srgbClr val="000000"/>
               </a:solidFill>
-              <a:latin typeface="Arial" panose="020B0604020202020204" pitchFamily="34" charset="0"/>
+              <a:cs typeface="Calibri" panose="020F0502020204030204" pitchFamily="34" charset="0"/>
             </a:endParaRPr>
           </a:p>
           <a:p>
@@ -12702,7 +12755,7 @@
                 <a:solidFill>
                   <a:srgbClr val="000000"/>
                 </a:solidFill>
-                <a:latin typeface="Arial" panose="020B0604020202020204" pitchFamily="34" charset="0"/>
+                <a:cs typeface="Calibri" panose="020F0502020204030204" pitchFamily="34" charset="0"/>
               </a:rPr>
               <a:t>Each fleet can initiate combat by </a:t>
             </a:r>
@@ -12711,7 +12764,7 @@
                 <a:solidFill>
                   <a:srgbClr val="000000"/>
                 </a:solidFill>
-                <a:latin typeface="Arial" panose="020B0604020202020204" pitchFamily="34" charset="0"/>
+                <a:cs typeface="Calibri" panose="020F0502020204030204" pitchFamily="34" charset="0"/>
               </a:rPr>
               <a:t>searching</a:t>
             </a:r>
@@ -12720,7 +12773,7 @@
                 <a:solidFill>
                   <a:srgbClr val="000000"/>
                 </a:solidFill>
-                <a:latin typeface="Arial" panose="020B0604020202020204" pitchFamily="34" charset="0"/>
+                <a:cs typeface="Calibri" panose="020F0502020204030204" pitchFamily="34" charset="0"/>
               </a:rPr>
               <a:t> for </a:t>
             </a:r>
@@ -12729,7 +12782,7 @@
                 <a:solidFill>
                   <a:srgbClr val="000000"/>
                 </a:solidFill>
-                <a:latin typeface="Arial" panose="020B0604020202020204" pitchFamily="34" charset="0"/>
+                <a:cs typeface="Calibri" panose="020F0502020204030204" pitchFamily="34" charset="0"/>
               </a:rPr>
               <a:t>one </a:t>
             </a:r>
@@ -12738,16 +12791,16 @@
                 <a:solidFill>
                   <a:srgbClr val="000000"/>
                 </a:solidFill>
-                <a:latin typeface="Arial" panose="020B0604020202020204" pitchFamily="34" charset="0"/>
-              </a:rPr>
-              <a:t>fleet in the same area, or </a:t>
+                <a:cs typeface="Calibri" panose="020F0502020204030204" pitchFamily="34" charset="0"/>
+              </a:rPr>
+              <a:t>fleet in the same area (roll dies), or </a:t>
             </a:r>
             <a:r>
               <a:rPr lang="en-GB" sz="1000" b="1" dirty="0">
                 <a:solidFill>
                   <a:srgbClr val="000000"/>
                 </a:solidFill>
-                <a:latin typeface="Arial" panose="020B0604020202020204" pitchFamily="34" charset="0"/>
+                <a:cs typeface="Calibri" panose="020F0502020204030204" pitchFamily="34" charset="0"/>
               </a:rPr>
               <a:t>one </a:t>
             </a:r>
@@ -12756,9 +12809,9 @@
                 <a:solidFill>
                   <a:srgbClr val="000000"/>
                 </a:solidFill>
-                <a:latin typeface="Arial" panose="020B0604020202020204" pitchFamily="34" charset="0"/>
-              </a:rPr>
-              <a:t>base on a world surface if the searching fleet is in orbit</a:t>
+                <a:cs typeface="Calibri" panose="020F0502020204030204" pitchFamily="34" charset="0"/>
+              </a:rPr>
+              <a:t>base on a world surface if the searching fleet is in orbit (always successful)</a:t>
             </a:r>
           </a:p>
           <a:p>
@@ -12766,12 +12819,33 @@
               <a:buFont typeface="Arial" panose="020B0604020202020204" pitchFamily="34" charset="0"/>
               <a:buChar char="•"/>
             </a:pPr>
-            <a:endParaRPr lang="en-GB" sz="1000" dirty="0">
-              <a:solidFill>
-                <a:srgbClr val="000000"/>
-              </a:solidFill>
-              <a:latin typeface="Arial" panose="020B0604020202020204" pitchFamily="34" charset="0"/>
-            </a:endParaRPr>
+            <a:r>
+              <a:rPr lang="en-GB" sz="1000" dirty="0">
+                <a:solidFill>
+                  <a:srgbClr val="000000"/>
+                </a:solidFill>
+                <a:cs typeface="Calibri" panose="020F0502020204030204" pitchFamily="34" charset="0"/>
+              </a:rPr>
+              <a:t>For successful searches, resolve </a:t>
+            </a:r>
+            <a:r>
+              <a:rPr lang="en-GB" sz="1000" b="1" dirty="0">
+                <a:solidFill>
+                  <a:srgbClr val="000000"/>
+                </a:solidFill>
+                <a:cs typeface="Calibri" panose="020F0502020204030204" pitchFamily="34" charset="0"/>
+              </a:rPr>
+              <a:t>surrenders</a:t>
+            </a:r>
+            <a:r>
+              <a:rPr lang="en-GB" sz="1000" dirty="0">
+                <a:solidFill>
+                  <a:srgbClr val="000000"/>
+                </a:solidFill>
+                <a:cs typeface="Calibri" panose="020F0502020204030204" pitchFamily="34" charset="0"/>
+              </a:rPr>
+              <a:t> or combat.</a:t>
+            </a:r>
           </a:p>
           <a:p>
             <a:pPr marL="171450" indent="-171450">
@@ -12783,45 +12857,119 @@
                 <a:solidFill>
                   <a:srgbClr val="000000"/>
                 </a:solidFill>
-                <a:latin typeface="Arial" panose="020B0604020202020204" pitchFamily="34" charset="0"/>
-              </a:rPr>
-              <a:t>For successful searches, resolve </a:t>
+                <a:cs typeface="Calibri" panose="020F0502020204030204" pitchFamily="34" charset="0"/>
+              </a:rPr>
+              <a:t>If </a:t>
             </a:r>
             <a:r>
               <a:rPr lang="en-GB" sz="1000" b="1" dirty="0">
                 <a:solidFill>
                   <a:srgbClr val="000000"/>
                 </a:solidFill>
-                <a:latin typeface="Arial" panose="020B0604020202020204" pitchFamily="34" charset="0"/>
-              </a:rPr>
-              <a:t>surrenders</a:t>
+                <a:cs typeface="Calibri" panose="020F0502020204030204" pitchFamily="34" charset="0"/>
+              </a:rPr>
+              <a:t>combat</a:t>
             </a:r>
             <a:r>
               <a:rPr lang="en-GB" sz="1000" dirty="0">
                 <a:solidFill>
                   <a:srgbClr val="000000"/>
                 </a:solidFill>
-                <a:latin typeface="Arial" panose="020B0604020202020204" pitchFamily="34" charset="0"/>
-              </a:rPr>
+                <a:cs typeface="Calibri" panose="020F0502020204030204" pitchFamily="34" charset="0"/>
+              </a:rPr>
+              <a:t>, follow these steps:</a:t>
+            </a:r>
+          </a:p>
+          <a:p>
+            <a:pPr marL="357188" lvl="1" indent="-131763">
+              <a:buFont typeface="Arial" panose="020B0604020202020204" pitchFamily="34" charset="0"/>
+              <a:buChar char="•"/>
+            </a:pPr>
+            <a:r>
+              <a:rPr lang="en-GB" sz="1000" dirty="0"/>
+              <a:t>Roll for </a:t>
+            </a:r>
+            <a:r>
+              <a:rPr lang="en-GB" sz="1000" b="1" dirty="0"/>
+              <a:t>tactics points</a:t>
+            </a:r>
+          </a:p>
+          <a:p>
+            <a:pPr marL="357188" lvl="1" indent="-131763">
+              <a:buFont typeface="Arial" panose="020B0604020202020204" pitchFamily="34" charset="0"/>
+              <a:buChar char="•"/>
+            </a:pPr>
+            <a:r>
+              <a:rPr lang="en-GB" sz="1000" dirty="0"/>
+              <a:t>Resolve </a:t>
+            </a:r>
+            <a:r>
+              <a:rPr lang="en-GB" sz="1000" b="1" dirty="0"/>
+              <a:t>strike</a:t>
+            </a:r>
+            <a:r>
+              <a:rPr lang="en-GB" sz="1000" dirty="0"/>
               <a:t> or </a:t>
             </a:r>
             <a:r>
+              <a:rPr lang="en-GB" sz="1000" b="1" dirty="0"/>
+              <a:t>direct</a:t>
+            </a:r>
+            <a:r>
+              <a:rPr lang="en-GB" sz="1000" dirty="0"/>
+              <a:t> </a:t>
+            </a:r>
+            <a:r>
+              <a:rPr lang="en-GB" sz="1000" b="1" dirty="0"/>
+              <a:t>fire</a:t>
+            </a:r>
+          </a:p>
+          <a:p>
+            <a:pPr marL="357188" lvl="1" indent="-131763">
+              <a:buFont typeface="Arial" panose="020B0604020202020204" pitchFamily="34" charset="0"/>
+              <a:buChar char="•"/>
+            </a:pPr>
+            <a:r>
+              <a:rPr lang="en-GB" sz="1000" dirty="0"/>
+              <a:t>Apply </a:t>
+            </a:r>
+            <a:r>
+              <a:rPr lang="en-GB" sz="1000" b="1" dirty="0"/>
+              <a:t>post-combat </a:t>
+            </a:r>
+            <a:r>
+              <a:rPr lang="en-GB" sz="1000" dirty="0"/>
+              <a:t>effects.</a:t>
+            </a:r>
+          </a:p>
+          <a:p>
+            <a:pPr marL="171450" lvl="1" indent="-171450">
+              <a:buFont typeface="Arial" panose="020B0604020202020204" pitchFamily="34" charset="0"/>
+              <a:buChar char="•"/>
+            </a:pPr>
+            <a:r>
+              <a:rPr lang="en-GB" sz="1000" dirty="0">
+                <a:solidFill>
+                  <a:srgbClr val="000000"/>
+                </a:solidFill>
+              </a:rPr>
+              <a:t>Declare a </a:t>
+            </a:r>
+            <a:r>
               <a:rPr lang="en-GB" sz="1000" b="1" dirty="0">
                 <a:solidFill>
                   <a:srgbClr val="000000"/>
                 </a:solidFill>
-                <a:latin typeface="Arial" panose="020B0604020202020204" pitchFamily="34" charset="0"/>
-              </a:rPr>
-              <a:t>combat</a:t>
+              </a:rPr>
+              <a:t>blockade</a:t>
             </a:r>
             <a:r>
               <a:rPr lang="en-GB" sz="1000" dirty="0">
                 <a:solidFill>
                   <a:srgbClr val="000000"/>
                 </a:solidFill>
-                <a:latin typeface="Arial" panose="020B0604020202020204" pitchFamily="34" charset="0"/>
-              </a:rPr>
-              <a:t>.</a:t>
+              </a:rPr>
+              <a:t> against an enemy base from orbit</a:t>
             </a:r>
           </a:p>
         </p:txBody>
@@ -14861,7 +15009,15 @@
             </a:pPr>
             <a:r>
               <a:rPr lang="en-GB" sz="1000" dirty="0"/>
-              <a:t>On successful depletion, check for mission completion and search for life</a:t>
+              <a:t>On successful </a:t>
+            </a:r>
+            <a:r>
+              <a:rPr lang="en-GB" sz="1000" b="1" dirty="0"/>
+              <a:t>depletion</a:t>
+            </a:r>
+            <a:r>
+              <a:rPr lang="en-GB" sz="1000" dirty="0"/>
+              <a:t>, check for mission completion and search for life</a:t>
             </a:r>
           </a:p>
           <a:p>
